--- a/Examples/Data/Charts/PresetNumberFormat_out.pptx
+++ b/Examples/Data/Charts/PresetNumberFormat_out.pptx
@@ -1,6 +1,6 @@
 
 <file path=ppt/presentation.xml><?xml version="1.0" encoding="utf-8"?>
-<!--Generated by Aspose.Slides for .NET 19.5-->
+<!--Generated by Aspose.Slides for .NET 19.6-->
 <p:presentation xmlns:r="http://schemas.openxmlformats.org/officeDocument/2006/relationships" xmlns:a="http://schemas.openxmlformats.org/drawingml/2006/main" xmlns:p="http://schemas.openxmlformats.org/presentationml/2006/main" saveSubsetFonts="1">
   <p:sldMasterIdLst>
     <p:sldMasterId id="2147483648" r:id="rId1"/>
@@ -537,7 +537,7 @@
           <a:bodyPr/>
           <a:lstStyle/>
           <a:p>
-            <a:fld id="{07FA1CFB-5515-44A8-A576-02837E27DCB7}" type="datetimeFigureOut">
+            <a:fld id="{EE63F6FE-EA48-4250-8CEE-DD3355F2A4CD}" type="datetimeFigureOut">
               <a:rPr lang="en-US" smtClean="0"/>
               <a:t>11/7/2009</a:t>
             </a:fld>
@@ -701,7 +701,7 @@
           <a:bodyPr/>
           <a:lstStyle/>
           <a:p>
-            <a:fld id="{7D13EDC5-0812-44B6-BBE7-1A74DC49E770}" type="datetimeFigureOut">
+            <a:fld id="{90B01E61-7837-454B-BB94-447BA33BDEEC}" type="datetimeFigureOut">
               <a:rPr lang="en-US" smtClean="0"/>
               <a:t>11/7/2009</a:t>
             </a:fld>
@@ -865,7 +865,7 @@
           <a:bodyPr/>
           <a:lstStyle/>
           <a:p>
-            <a:fld id="{B1DD613F-77DC-4F04-B75E-5B9E3F2BFC95}" type="datetimeFigureOut">
+            <a:fld id="{19AC0C29-AF1E-48A3-A8F9-DBF51339F35E}" type="datetimeFigureOut">
               <a:rPr lang="en-US" smtClean="0"/>
               <a:t>11/7/2009</a:t>
             </a:fld>
@@ -1029,7 +1029,7 @@
           <a:bodyPr/>
           <a:lstStyle/>
           <a:p>
-            <a:fld id="{EE6B90A1-E78F-4E1F-8F4F-6C2C116085E3}" type="datetimeFigureOut">
+            <a:fld id="{FD583ED1-DCD7-462E-B6CC-DCBDD9EEF94D}" type="datetimeFigureOut">
               <a:rPr lang="en-US" smtClean="0"/>
               <a:t>11/7/2009</a:t>
             </a:fld>
@@ -1259,7 +1259,7 @@
           <a:bodyPr/>
           <a:lstStyle/>
           <a:p>
-            <a:fld id="{AA1A3C58-8DAB-4D0E-B309-D687FB006218}" type="datetimeFigureOut">
+            <a:fld id="{4422D4C4-B7ED-48D3-A8D8-5A899BC8C32D}" type="datetimeFigureOut">
               <a:rPr lang="en-US" smtClean="0"/>
               <a:t>11/7/2009</a:t>
             </a:fld>
@@ -1530,7 +1530,7 @@
           <a:bodyPr/>
           <a:lstStyle/>
           <a:p>
-            <a:fld id="{771C5BD7-CB77-4564-AEAB-975DBE46B505}" type="datetimeFigureOut">
+            <a:fld id="{3D9AF5B8-F821-4622-8576-CA2280B705AB}" type="datetimeFigureOut">
               <a:rPr lang="en-US" smtClean="0"/>
               <a:t>11/7/2009</a:t>
             </a:fld>
@@ -1919,7 +1919,7 @@
           <a:bodyPr/>
           <a:lstStyle/>
           <a:p>
-            <a:fld id="{9676FD10-72E0-4BF1-9915-D17D83B42EE2}" type="datetimeFigureOut">
+            <a:fld id="{32694D17-D249-4A03-9DDF-4778FBEB3AB6}" type="datetimeFigureOut">
               <a:rPr lang="en-US" smtClean="0"/>
               <a:t>11/7/2009</a:t>
             </a:fld>
@@ -2032,7 +2032,7 @@
           <a:bodyPr/>
           <a:lstStyle/>
           <a:p>
-            <a:fld id="{D6A92CFC-B2AA-4B7F-A613-5ED586CD5CBE}" type="datetimeFigureOut">
+            <a:fld id="{2241B842-82F7-4F72-9EE2-597A8B48FC49}" type="datetimeFigureOut">
               <a:rPr lang="en-US" smtClean="0"/>
               <a:t>11/7/2009</a:t>
             </a:fld>
@@ -2122,7 +2122,7 @@
           <a:bodyPr/>
           <a:lstStyle/>
           <a:p>
-            <a:fld id="{E6E44269-592F-44C5-B88C-1D024B475F22}" type="datetimeFigureOut">
+            <a:fld id="{1E7EFFD6-9EA0-4685-9D28-EBE73E77C196}" type="datetimeFigureOut">
               <a:rPr lang="en-US" smtClean="0"/>
               <a:t>11/7/2009</a:t>
             </a:fld>
@@ -2377,7 +2377,7 @@
           <a:bodyPr/>
           <a:lstStyle/>
           <a:p>
-            <a:fld id="{632E94F7-BF83-4396-A63E-525EA821515B}" type="datetimeFigureOut">
+            <a:fld id="{02EB9D63-608D-488C-8A7C-CC901695B92E}" type="datetimeFigureOut">
               <a:rPr lang="en-US" smtClean="0"/>
               <a:t>11/7/2009</a:t>
             </a:fld>
@@ -2609,7 +2609,7 @@
           <a:bodyPr/>
           <a:lstStyle/>
           <a:p>
-            <a:fld id="{A9B36118-7404-4995-98D0-A071A1E685EA}" type="datetimeFigureOut">
+            <a:fld id="{B187B307-A315-4206-BAC2-4AA25479F7DA}" type="datetimeFigureOut">
               <a:rPr lang="en-US" smtClean="0"/>
               <a:t>11/7/2009</a:t>
             </a:fld>
@@ -3204,77 +3204,6 @@
           </a:graphicData>
         </a:graphic>
       </p:graphicFrame>
-      <p:sp>
-        <p:nvSpPr>
-          <p:cNvPr id="3" name="TextBox"/>
-          <p:cNvSpPr txBox="1">
-            <a:spLocks noGrp="1" noSelect="1" noRot="1" noMove="1"/>
-          </p:cNvSpPr>
-          <p:nvPr/>
-        </p:nvSpPr>
-        <p:spPr>
-          <a:xfrm>
-            <a:off x="1366520" y="2644140"/>
-            <a:ext cx="6411372" cy="1569660"/>
-          </a:xfrm>
-          <a:prstGeom prst="rect">
-            <a:avLst/>
-          </a:prstGeom>
-          <a:noFill/>
-        </p:spPr>
-        <p:txBody>
-          <a:bodyPr wrap="none" rtlCol="0" anchor="ctr" anchorCtr="1">
-            <a:spAutoFit/>
-          </a:bodyPr>
-          <a:lstStyle>
-            <a:lvl1pPr algn="l">
-              <a:lnSpc>
-                <a:spcPct val="150000"/>
-              </a:lnSpc>
-              <a:spcBef>
-                <a:spcPct val="0"/>
-              </a:spcBef>
-              <a:spcAft>
-                <a:spcPct val="0"/>
-              </a:spcAft>
-              <a:defRPr lang="en-US" sz="3200" b="1" noProof="1" dirty="0">
-                <a:solidFill>
-                  <a:prstClr val="red">
-                    <a:lumOff val="30000"/>
-                    <a:alpha val="40000"/>
-                  </a:prstClr>
-                </a:solidFill>
-                <a:effectLst>
-                  <a:outerShdw blurRad="50800" dist="38100" algn="tr" rotWithShape="0">
-                    <a:prstClr val="black">
-                      <a:alpha val="80000"/>
-                    </a:prstClr>
-                  </a:outerShdw>
-                </a:effectLst>
-                <a:latin typeface="Calibri" pitchFamily="34" charset="0"/>
-              </a:defRPr>
-            </a:lvl1pPr>
-          </a:lstStyle>
-          <a:p>
-            <a:pPr algn="ctr"/>
-            <a:r>
-              <a:t>Evaluation only.</a:t>
-            </a:r>
-          </a:p>
-          <a:p>
-            <a:pPr algn="ctr"/>
-            <a:r>
-              <a:t>Created with Aspose.Slides for .NET 4.0 Client Profile 19.5.</a:t>
-            </a:r>
-          </a:p>
-          <a:p>
-            <a:pPr algn="ctr"/>
-            <a:r>
-              <a:t>Copyright 2004-2019Aspose Pty Ltd.</a:t>
-            </a:r>
-          </a:p>
-        </p:txBody>
-      </p:sp>
     </p:spTree>
   </p:cSld>
   <p:clrMapOvr>
@@ -3289,9 +3218,9 @@
 <p:tagLst xmlns:p="http://schemas.openxmlformats.org/presentationml/2006/main">
   <p:tag name="AS_NET" val="4.0.30319.42000"/>
   <p:tag name="AS_OS" val="Microsoft Windows NT 6.2.9200.0"/>
-  <p:tag name="AS_RELEASE_DATE" val="2019.05.17"/>
+  <p:tag name="AS_RELEASE_DATE" val="2019.06.14"/>
   <p:tag name="AS_TITLE" val="Aspose.Slides for .NET 4.0 Client Profile"/>
-  <p:tag name="AS_VERSION" val="19.5"/>
+  <p:tag name="AS_VERSION" val="19.6"/>
 </p:tagLst>
 </file>
 

--- a/Examples/Data/Charts/PresetNumberFormat_out.pptx
+++ b/Examples/Data/Charts/PresetNumberFormat_out.pptx
@@ -1,6 +1,6 @@
 
 <file path=ppt/presentation.xml><?xml version="1.0" encoding="utf-8"?>
-<!--Generated by Aspose.Slides for .NET 19.6-->
+<!--Generated by Aspose.Slides for .NET 21.12-->
 <p:presentation xmlns:r="http://schemas.openxmlformats.org/officeDocument/2006/relationships" xmlns:a="http://schemas.openxmlformats.org/drawingml/2006/main" xmlns:p="http://schemas.openxmlformats.org/presentationml/2006/main" saveSubsetFonts="1">
   <p:sldMasterIdLst>
     <p:sldMasterId id="2147483648" r:id="rId1"/>
@@ -112,7 +112,7 @@
 </file>
 
 <file path=ppt/charts/chart1.xml><?xml version="1.0" encoding="utf-8"?>
-<c:chartSpace xmlns:a="http://schemas.openxmlformats.org/drawingml/2006/main" xmlns:r="http://schemas.openxmlformats.org/officeDocument/2006/relationships" xmlns:c="http://schemas.openxmlformats.org/drawingml/2006/chart">
+<c:chartSpace xmlns:a="http://schemas.openxmlformats.org/drawingml/2006/main" xmlns:r="http://schemas.openxmlformats.org/officeDocument/2006/relationships" xmlns:m="http://schemas.openxmlformats.org/officeDocument/2006/math" xmlns:w="http://schemas.openxmlformats.org/wordprocessingml/2006/main" xmlns:wp="http://schemas.openxmlformats.org/drawingml/2006/wordprocessingDrawing" xmlns:a14="http://schemas.microsoft.com/office/drawing/2010/main" xmlns:c="http://schemas.openxmlformats.org/drawingml/2006/chart">
   <c:date1904 val="0"/>
   <c:lang val="ru-RU"/>
   <c:roundedCorners val="0"/>
@@ -371,11 +371,11 @@
 </file>
 
 <file path=ppt/slideLayouts/slideLayout1.xml><?xml version="1.0" encoding="utf-8"?>
-<p:sldLayout xmlns:a="http://schemas.openxmlformats.org/drawingml/2006/main" xmlns:r="http://schemas.openxmlformats.org/officeDocument/2006/relationships" xmlns:p14="http://schemas.microsoft.com/office/powerpoint/2010/main" xmlns:a14="http://schemas.microsoft.com/office/drawing/2010/main" xmlns:p15="http://schemas.microsoft.com/office/powerpoint/2012/main" xmlns:p159="http://schemas.microsoft.com/office/powerpoint/2015/09/main" xmlns:p="http://schemas.openxmlformats.org/presentationml/2006/main" type="title" preserve="1">
+<p:sldLayout xmlns:a="http://schemas.openxmlformats.org/drawingml/2006/main" xmlns:r="http://schemas.openxmlformats.org/officeDocument/2006/relationships" xmlns:m="http://schemas.openxmlformats.org/officeDocument/2006/math" xmlns:w="http://schemas.openxmlformats.org/wordprocessingml/2006/main" xmlns:wp="http://schemas.openxmlformats.org/drawingml/2006/wordprocessingDrawing" xmlns:a14="http://schemas.microsoft.com/office/drawing/2010/main" xmlns:mc="http://schemas.openxmlformats.org/markup-compatibility/2006" xmlns:p14="http://schemas.microsoft.com/office/powerpoint/2010/main" xmlns:p15="http://schemas.microsoft.com/office/powerpoint/2012/main" xmlns:p159="http://schemas.microsoft.com/office/powerpoint/2015/09/main" xmlns:p="http://schemas.openxmlformats.org/presentationml/2006/main" type="title" preserve="1">
   <p:cSld name="Title Slide">
     <p:spTree>
       <p:nvGrpSpPr>
-        <p:cNvPr id="1" name=""/>
+        <p:cNvPr id="1" name="" title=""/>
         <p:cNvGrpSpPr/>
         <p:nvPr/>
       </p:nvGrpSpPr>
@@ -387,7 +387,7 @@
       </p:grpSpPr>
       <p:sp>
         <p:nvSpPr>
-          <p:cNvPr id="2" name="Title 1"/>
+          <p:cNvPr id="2" name="Title 1" title=""/>
           <p:cNvSpPr>
             <a:spLocks noGrp="1"/>
           </p:cNvSpPr>
@@ -410,7 +410,7 @@
       </p:sp>
       <p:sp>
         <p:nvSpPr>
-          <p:cNvPr id="3" name="Subtitle 2"/>
+          <p:cNvPr id="3" name="Subtitle 2" title=""/>
           <p:cNvSpPr>
             <a:spLocks noGrp="1"/>
           </p:cNvSpPr>
@@ -524,7 +524,7 @@
       </p:sp>
       <p:sp>
         <p:nvSpPr>
-          <p:cNvPr id="4" name="Date Placeholder 3"/>
+          <p:cNvPr id="4" name="Date Placeholder 3" title=""/>
           <p:cNvSpPr>
             <a:spLocks noGrp="1"/>
           </p:cNvSpPr>
@@ -537,7 +537,7 @@
           <a:bodyPr/>
           <a:lstStyle/>
           <a:p>
-            <a:fld id="{EE63F6FE-EA48-4250-8CEE-DD3355F2A4CD}" type="datetimeFigureOut">
+            <a:fld id="{1884FB44-C4D9-42DC-880C-B404A36C547D}" type="datetimeFigureOut">
               <a:rPr lang="en-US" smtClean="0"/>
               <a:t>11/7/2009</a:t>
             </a:fld>
@@ -547,7 +547,7 @@
       </p:sp>
       <p:sp>
         <p:nvSpPr>
-          <p:cNvPr id="5" name="Footer Placeholder 4"/>
+          <p:cNvPr id="5" name="Footer Placeholder 4" title=""/>
           <p:cNvSpPr>
             <a:spLocks noGrp="1"/>
           </p:cNvSpPr>
@@ -566,7 +566,7 @@
       </p:sp>
       <p:sp>
         <p:nvSpPr>
-          <p:cNvPr id="6" name="Slide Number Placeholder 5"/>
+          <p:cNvPr id="6" name="Slide Number Placeholder 5" title=""/>
           <p:cNvSpPr>
             <a:spLocks noGrp="1"/>
           </p:cNvSpPr>
@@ -598,11 +598,11 @@
 </file>
 
 <file path=ppt/slideLayouts/slideLayout10.xml><?xml version="1.0" encoding="utf-8"?>
-<p:sldLayout xmlns:a="http://schemas.openxmlformats.org/drawingml/2006/main" xmlns:r="http://schemas.openxmlformats.org/officeDocument/2006/relationships" xmlns:p14="http://schemas.microsoft.com/office/powerpoint/2010/main" xmlns:a14="http://schemas.microsoft.com/office/drawing/2010/main" xmlns:p15="http://schemas.microsoft.com/office/powerpoint/2012/main" xmlns:p159="http://schemas.microsoft.com/office/powerpoint/2015/09/main" xmlns:p="http://schemas.openxmlformats.org/presentationml/2006/main" type="vertTx" preserve="1">
+<p:sldLayout xmlns:a="http://schemas.openxmlformats.org/drawingml/2006/main" xmlns:r="http://schemas.openxmlformats.org/officeDocument/2006/relationships" xmlns:m="http://schemas.openxmlformats.org/officeDocument/2006/math" xmlns:w="http://schemas.openxmlformats.org/wordprocessingml/2006/main" xmlns:wp="http://schemas.openxmlformats.org/drawingml/2006/wordprocessingDrawing" xmlns:a14="http://schemas.microsoft.com/office/drawing/2010/main" xmlns:mc="http://schemas.openxmlformats.org/markup-compatibility/2006" xmlns:p14="http://schemas.microsoft.com/office/powerpoint/2010/main" xmlns:p15="http://schemas.microsoft.com/office/powerpoint/2012/main" xmlns:p159="http://schemas.microsoft.com/office/powerpoint/2015/09/main" xmlns:p="http://schemas.openxmlformats.org/presentationml/2006/main" type="vertTx" preserve="1">
   <p:cSld name="Title and Vertical Text">
     <p:spTree>
       <p:nvGrpSpPr>
-        <p:cNvPr id="1" name=""/>
+        <p:cNvPr id="1" name="" title=""/>
         <p:cNvGrpSpPr/>
         <p:nvPr/>
       </p:nvGrpSpPr>
@@ -614,7 +614,7 @@
       </p:grpSpPr>
       <p:sp>
         <p:nvSpPr>
-          <p:cNvPr id="2" name="Title 1"/>
+          <p:cNvPr id="2" name="Title 1" title=""/>
           <p:cNvSpPr>
             <a:spLocks noGrp="1"/>
           </p:cNvSpPr>
@@ -637,7 +637,7 @@
       </p:sp>
       <p:sp>
         <p:nvSpPr>
-          <p:cNvPr id="3" name="Vertical Text Placeholder 2"/>
+          <p:cNvPr id="3" name="Vertical Text Placeholder 2" title=""/>
           <p:cNvSpPr>
             <a:spLocks noGrp="1"/>
           </p:cNvSpPr>
@@ -688,7 +688,7 @@
       </p:sp>
       <p:sp>
         <p:nvSpPr>
-          <p:cNvPr id="4" name="Date Placeholder 3"/>
+          <p:cNvPr id="4" name="Date Placeholder 3" title=""/>
           <p:cNvSpPr>
             <a:spLocks noGrp="1"/>
           </p:cNvSpPr>
@@ -701,7 +701,7 @@
           <a:bodyPr/>
           <a:lstStyle/>
           <a:p>
-            <a:fld id="{90B01E61-7837-454B-BB94-447BA33BDEEC}" type="datetimeFigureOut">
+            <a:fld id="{12F7F920-5BEF-4CFE-B12C-0C1ED731FF0C}" type="datetimeFigureOut">
               <a:rPr lang="en-US" smtClean="0"/>
               <a:t>11/7/2009</a:t>
             </a:fld>
@@ -711,7 +711,7 @@
       </p:sp>
       <p:sp>
         <p:nvSpPr>
-          <p:cNvPr id="5" name="Footer Placeholder 4"/>
+          <p:cNvPr id="5" name="Footer Placeholder 4" title=""/>
           <p:cNvSpPr>
             <a:spLocks noGrp="1"/>
           </p:cNvSpPr>
@@ -730,7 +730,7 @@
       </p:sp>
       <p:sp>
         <p:nvSpPr>
-          <p:cNvPr id="6" name="Slide Number Placeholder 5"/>
+          <p:cNvPr id="6" name="Slide Number Placeholder 5" title=""/>
           <p:cNvSpPr>
             <a:spLocks noGrp="1"/>
           </p:cNvSpPr>
@@ -762,11 +762,11 @@
 </file>
 
 <file path=ppt/slideLayouts/slideLayout11.xml><?xml version="1.0" encoding="utf-8"?>
-<p:sldLayout xmlns:a="http://schemas.openxmlformats.org/drawingml/2006/main" xmlns:r="http://schemas.openxmlformats.org/officeDocument/2006/relationships" xmlns:p14="http://schemas.microsoft.com/office/powerpoint/2010/main" xmlns:a14="http://schemas.microsoft.com/office/drawing/2010/main" xmlns:p15="http://schemas.microsoft.com/office/powerpoint/2012/main" xmlns:p159="http://schemas.microsoft.com/office/powerpoint/2015/09/main" xmlns:p="http://schemas.openxmlformats.org/presentationml/2006/main" type="vertTitleAndTx" preserve="1">
+<p:sldLayout xmlns:a="http://schemas.openxmlformats.org/drawingml/2006/main" xmlns:r="http://schemas.openxmlformats.org/officeDocument/2006/relationships" xmlns:m="http://schemas.openxmlformats.org/officeDocument/2006/math" xmlns:w="http://schemas.openxmlformats.org/wordprocessingml/2006/main" xmlns:wp="http://schemas.openxmlformats.org/drawingml/2006/wordprocessingDrawing" xmlns:a14="http://schemas.microsoft.com/office/drawing/2010/main" xmlns:mc="http://schemas.openxmlformats.org/markup-compatibility/2006" xmlns:p14="http://schemas.microsoft.com/office/powerpoint/2010/main" xmlns:p15="http://schemas.microsoft.com/office/powerpoint/2012/main" xmlns:p159="http://schemas.microsoft.com/office/powerpoint/2015/09/main" xmlns:p="http://schemas.openxmlformats.org/presentationml/2006/main" type="vertTitleAndTx" preserve="1">
   <p:cSld name="Vertical Title and Text">
     <p:spTree>
       <p:nvGrpSpPr>
-        <p:cNvPr id="1" name=""/>
+        <p:cNvPr id="1" name="" title=""/>
         <p:cNvGrpSpPr/>
         <p:nvPr/>
       </p:nvGrpSpPr>
@@ -778,7 +778,7 @@
       </p:grpSpPr>
       <p:sp>
         <p:nvSpPr>
-          <p:cNvPr id="2" name="Vertical Title 1"/>
+          <p:cNvPr id="2" name="Vertical Title 1" title=""/>
           <p:cNvSpPr>
             <a:spLocks noGrp="1"/>
           </p:cNvSpPr>
@@ -801,7 +801,7 @@
       </p:sp>
       <p:sp>
         <p:nvSpPr>
-          <p:cNvPr id="3" name="Vertical Text Placeholder 2"/>
+          <p:cNvPr id="3" name="Vertical Text Placeholder 2" title=""/>
           <p:cNvSpPr>
             <a:spLocks noGrp="1"/>
           </p:cNvSpPr>
@@ -852,7 +852,7 @@
       </p:sp>
       <p:sp>
         <p:nvSpPr>
-          <p:cNvPr id="4" name="Date Placeholder 3"/>
+          <p:cNvPr id="4" name="Date Placeholder 3" title=""/>
           <p:cNvSpPr>
             <a:spLocks noGrp="1"/>
           </p:cNvSpPr>
@@ -865,7 +865,7 @@
           <a:bodyPr/>
           <a:lstStyle/>
           <a:p>
-            <a:fld id="{19AC0C29-AF1E-48A3-A8F9-DBF51339F35E}" type="datetimeFigureOut">
+            <a:fld id="{07AA74D5-6EC2-4FFB-B86D-7450550D0642}" type="datetimeFigureOut">
               <a:rPr lang="en-US" smtClean="0"/>
               <a:t>11/7/2009</a:t>
             </a:fld>
@@ -875,7 +875,7 @@
       </p:sp>
       <p:sp>
         <p:nvSpPr>
-          <p:cNvPr id="5" name="Footer Placeholder 4"/>
+          <p:cNvPr id="5" name="Footer Placeholder 4" title=""/>
           <p:cNvSpPr>
             <a:spLocks noGrp="1"/>
           </p:cNvSpPr>
@@ -894,7 +894,7 @@
       </p:sp>
       <p:sp>
         <p:nvSpPr>
-          <p:cNvPr id="6" name="Slide Number Placeholder 5"/>
+          <p:cNvPr id="6" name="Slide Number Placeholder 5" title=""/>
           <p:cNvSpPr>
             <a:spLocks noGrp="1"/>
           </p:cNvSpPr>
@@ -926,11 +926,11 @@
 </file>
 
 <file path=ppt/slideLayouts/slideLayout2.xml><?xml version="1.0" encoding="utf-8"?>
-<p:sldLayout xmlns:a="http://schemas.openxmlformats.org/drawingml/2006/main" xmlns:r="http://schemas.openxmlformats.org/officeDocument/2006/relationships" xmlns:p14="http://schemas.microsoft.com/office/powerpoint/2010/main" xmlns:a14="http://schemas.microsoft.com/office/drawing/2010/main" xmlns:p15="http://schemas.microsoft.com/office/powerpoint/2012/main" xmlns:p159="http://schemas.microsoft.com/office/powerpoint/2015/09/main" xmlns:p="http://schemas.openxmlformats.org/presentationml/2006/main" type="obj" preserve="1">
+<p:sldLayout xmlns:a="http://schemas.openxmlformats.org/drawingml/2006/main" xmlns:r="http://schemas.openxmlformats.org/officeDocument/2006/relationships" xmlns:m="http://schemas.openxmlformats.org/officeDocument/2006/math" xmlns:w="http://schemas.openxmlformats.org/wordprocessingml/2006/main" xmlns:wp="http://schemas.openxmlformats.org/drawingml/2006/wordprocessingDrawing" xmlns:a14="http://schemas.microsoft.com/office/drawing/2010/main" xmlns:mc="http://schemas.openxmlformats.org/markup-compatibility/2006" xmlns:p14="http://schemas.microsoft.com/office/powerpoint/2010/main" xmlns:p15="http://schemas.microsoft.com/office/powerpoint/2012/main" xmlns:p159="http://schemas.microsoft.com/office/powerpoint/2015/09/main" xmlns:p="http://schemas.openxmlformats.org/presentationml/2006/main" type="obj" preserve="1">
   <p:cSld name="Title and Content">
     <p:spTree>
       <p:nvGrpSpPr>
-        <p:cNvPr id="1" name=""/>
+        <p:cNvPr id="1" name="" title=""/>
         <p:cNvGrpSpPr/>
         <p:nvPr/>
       </p:nvGrpSpPr>
@@ -942,7 +942,7 @@
       </p:grpSpPr>
       <p:sp>
         <p:nvSpPr>
-          <p:cNvPr id="2" name="Title 1"/>
+          <p:cNvPr id="2" name="Title 1" title=""/>
           <p:cNvSpPr>
             <a:spLocks noGrp="1"/>
           </p:cNvSpPr>
@@ -965,7 +965,7 @@
       </p:sp>
       <p:sp>
         <p:nvSpPr>
-          <p:cNvPr id="3" name="Content Placeholder 2"/>
+          <p:cNvPr id="3" name="Content Placeholder 2" title=""/>
           <p:cNvSpPr>
             <a:spLocks noGrp="1"/>
           </p:cNvSpPr>
@@ -1016,7 +1016,7 @@
       </p:sp>
       <p:sp>
         <p:nvSpPr>
-          <p:cNvPr id="4" name="Date Placeholder 3"/>
+          <p:cNvPr id="4" name="Date Placeholder 3" title=""/>
           <p:cNvSpPr>
             <a:spLocks noGrp="1"/>
           </p:cNvSpPr>
@@ -1029,7 +1029,7 @@
           <a:bodyPr/>
           <a:lstStyle/>
           <a:p>
-            <a:fld id="{FD583ED1-DCD7-462E-B6CC-DCBDD9EEF94D}" type="datetimeFigureOut">
+            <a:fld id="{B6D761FF-B4E5-4499-8A71-4A13CCA6ADAF}" type="datetimeFigureOut">
               <a:rPr lang="en-US" smtClean="0"/>
               <a:t>11/7/2009</a:t>
             </a:fld>
@@ -1039,7 +1039,7 @@
       </p:sp>
       <p:sp>
         <p:nvSpPr>
-          <p:cNvPr id="5" name="Footer Placeholder 4"/>
+          <p:cNvPr id="5" name="Footer Placeholder 4" title=""/>
           <p:cNvSpPr>
             <a:spLocks noGrp="1"/>
           </p:cNvSpPr>
@@ -1058,7 +1058,7 @@
       </p:sp>
       <p:sp>
         <p:nvSpPr>
-          <p:cNvPr id="6" name="Slide Number Placeholder 5"/>
+          <p:cNvPr id="6" name="Slide Number Placeholder 5" title=""/>
           <p:cNvSpPr>
             <a:spLocks noGrp="1"/>
           </p:cNvSpPr>
@@ -1090,11 +1090,11 @@
 </file>
 
 <file path=ppt/slideLayouts/slideLayout3.xml><?xml version="1.0" encoding="utf-8"?>
-<p:sldLayout xmlns:a="http://schemas.openxmlformats.org/drawingml/2006/main" xmlns:r="http://schemas.openxmlformats.org/officeDocument/2006/relationships" xmlns:p14="http://schemas.microsoft.com/office/powerpoint/2010/main" xmlns:a14="http://schemas.microsoft.com/office/drawing/2010/main" xmlns:p15="http://schemas.microsoft.com/office/powerpoint/2012/main" xmlns:p159="http://schemas.microsoft.com/office/powerpoint/2015/09/main" xmlns:p="http://schemas.openxmlformats.org/presentationml/2006/main" type="secHead" preserve="1">
+<p:sldLayout xmlns:a="http://schemas.openxmlformats.org/drawingml/2006/main" xmlns:r="http://schemas.openxmlformats.org/officeDocument/2006/relationships" xmlns:m="http://schemas.openxmlformats.org/officeDocument/2006/math" xmlns:w="http://schemas.openxmlformats.org/wordprocessingml/2006/main" xmlns:wp="http://schemas.openxmlformats.org/drawingml/2006/wordprocessingDrawing" xmlns:a14="http://schemas.microsoft.com/office/drawing/2010/main" xmlns:mc="http://schemas.openxmlformats.org/markup-compatibility/2006" xmlns:p14="http://schemas.microsoft.com/office/powerpoint/2010/main" xmlns:p15="http://schemas.microsoft.com/office/powerpoint/2012/main" xmlns:p159="http://schemas.microsoft.com/office/powerpoint/2015/09/main" xmlns:p="http://schemas.openxmlformats.org/presentationml/2006/main" type="secHead" preserve="1">
   <p:cSld name="Section Header">
     <p:spTree>
       <p:nvGrpSpPr>
-        <p:cNvPr id="1" name=""/>
+        <p:cNvPr id="1" name="" title=""/>
         <p:cNvGrpSpPr/>
         <p:nvPr/>
       </p:nvGrpSpPr>
@@ -1106,7 +1106,7 @@
       </p:grpSpPr>
       <p:sp>
         <p:nvSpPr>
-          <p:cNvPr id="2" name="Title 1"/>
+          <p:cNvPr id="2" name="Title 1" title=""/>
           <p:cNvSpPr>
             <a:spLocks noGrp="1"/>
           </p:cNvSpPr>
@@ -1133,7 +1133,7 @@
       </p:sp>
       <p:sp>
         <p:nvSpPr>
-          <p:cNvPr id="3" name="Text Placeholder 2"/>
+          <p:cNvPr id="3" name="Text Placeholder 2" title=""/>
           <p:cNvSpPr>
             <a:spLocks noGrp="1"/>
           </p:cNvSpPr>
@@ -1246,7 +1246,7 @@
       </p:sp>
       <p:sp>
         <p:nvSpPr>
-          <p:cNvPr id="4" name="Date Placeholder 3"/>
+          <p:cNvPr id="4" name="Date Placeholder 3" title=""/>
           <p:cNvSpPr>
             <a:spLocks noGrp="1"/>
           </p:cNvSpPr>
@@ -1259,7 +1259,7 @@
           <a:bodyPr/>
           <a:lstStyle/>
           <a:p>
-            <a:fld id="{4422D4C4-B7ED-48D3-A8D8-5A899BC8C32D}" type="datetimeFigureOut">
+            <a:fld id="{90E1C394-0CED-411D-B9EE-68F716DCC90A}" type="datetimeFigureOut">
               <a:rPr lang="en-US" smtClean="0"/>
               <a:t>11/7/2009</a:t>
             </a:fld>
@@ -1269,7 +1269,7 @@
       </p:sp>
       <p:sp>
         <p:nvSpPr>
-          <p:cNvPr id="5" name="Footer Placeholder 4"/>
+          <p:cNvPr id="5" name="Footer Placeholder 4" title=""/>
           <p:cNvSpPr>
             <a:spLocks noGrp="1"/>
           </p:cNvSpPr>
@@ -1288,7 +1288,7 @@
       </p:sp>
       <p:sp>
         <p:nvSpPr>
-          <p:cNvPr id="6" name="Slide Number Placeholder 5"/>
+          <p:cNvPr id="6" name="Slide Number Placeholder 5" title=""/>
           <p:cNvSpPr>
             <a:spLocks noGrp="1"/>
           </p:cNvSpPr>
@@ -1320,11 +1320,11 @@
 </file>
 
 <file path=ppt/slideLayouts/slideLayout4.xml><?xml version="1.0" encoding="utf-8"?>
-<p:sldLayout xmlns:a="http://schemas.openxmlformats.org/drawingml/2006/main" xmlns:r="http://schemas.openxmlformats.org/officeDocument/2006/relationships" xmlns:p14="http://schemas.microsoft.com/office/powerpoint/2010/main" xmlns:a14="http://schemas.microsoft.com/office/drawing/2010/main" xmlns:p15="http://schemas.microsoft.com/office/powerpoint/2012/main" xmlns:p159="http://schemas.microsoft.com/office/powerpoint/2015/09/main" xmlns:p="http://schemas.openxmlformats.org/presentationml/2006/main" type="twoObj" preserve="1">
+<p:sldLayout xmlns:a="http://schemas.openxmlformats.org/drawingml/2006/main" xmlns:r="http://schemas.openxmlformats.org/officeDocument/2006/relationships" xmlns:m="http://schemas.openxmlformats.org/officeDocument/2006/math" xmlns:w="http://schemas.openxmlformats.org/wordprocessingml/2006/main" xmlns:wp="http://schemas.openxmlformats.org/drawingml/2006/wordprocessingDrawing" xmlns:a14="http://schemas.microsoft.com/office/drawing/2010/main" xmlns:mc="http://schemas.openxmlformats.org/markup-compatibility/2006" xmlns:p14="http://schemas.microsoft.com/office/powerpoint/2010/main" xmlns:p15="http://schemas.microsoft.com/office/powerpoint/2012/main" xmlns:p159="http://schemas.microsoft.com/office/powerpoint/2015/09/main" xmlns:p="http://schemas.openxmlformats.org/presentationml/2006/main" type="twoObj" preserve="1">
   <p:cSld name="Two Content">
     <p:spTree>
       <p:nvGrpSpPr>
-        <p:cNvPr id="1" name=""/>
+        <p:cNvPr id="1" name="" title=""/>
         <p:cNvGrpSpPr/>
         <p:nvPr/>
       </p:nvGrpSpPr>
@@ -1336,7 +1336,7 @@
       </p:grpSpPr>
       <p:sp>
         <p:nvSpPr>
-          <p:cNvPr id="2" name="Title 1"/>
+          <p:cNvPr id="2" name="Title 1" title=""/>
           <p:cNvSpPr>
             <a:spLocks noGrp="1"/>
           </p:cNvSpPr>
@@ -1359,7 +1359,7 @@
       </p:sp>
       <p:sp>
         <p:nvSpPr>
-          <p:cNvPr id="3" name="Content Placeholder 2"/>
+          <p:cNvPr id="3" name="Content Placeholder 2" title=""/>
           <p:cNvSpPr>
             <a:spLocks noGrp="1"/>
           </p:cNvSpPr>
@@ -1438,7 +1438,7 @@
       </p:sp>
       <p:sp>
         <p:nvSpPr>
-          <p:cNvPr id="4" name="Content Placeholder 3"/>
+          <p:cNvPr id="4" name="Content Placeholder 3" title=""/>
           <p:cNvSpPr>
             <a:spLocks noGrp="1"/>
           </p:cNvSpPr>
@@ -1517,7 +1517,7 @@
       </p:sp>
       <p:sp>
         <p:nvSpPr>
-          <p:cNvPr id="5" name="Date Placeholder 4"/>
+          <p:cNvPr id="5" name="Date Placeholder 4" title=""/>
           <p:cNvSpPr>
             <a:spLocks noGrp="1"/>
           </p:cNvSpPr>
@@ -1530,7 +1530,7 @@
           <a:bodyPr/>
           <a:lstStyle/>
           <a:p>
-            <a:fld id="{3D9AF5B8-F821-4622-8576-CA2280B705AB}" type="datetimeFigureOut">
+            <a:fld id="{126B1359-80BC-4CC9-BC8E-ED8D6A2730D2}" type="datetimeFigureOut">
               <a:rPr lang="en-US" smtClean="0"/>
               <a:t>11/7/2009</a:t>
             </a:fld>
@@ -1540,7 +1540,7 @@
       </p:sp>
       <p:sp>
         <p:nvSpPr>
-          <p:cNvPr id="6" name="Footer Placeholder 5"/>
+          <p:cNvPr id="6" name="Footer Placeholder 5" title=""/>
           <p:cNvSpPr>
             <a:spLocks noGrp="1"/>
           </p:cNvSpPr>
@@ -1559,7 +1559,7 @@
       </p:sp>
       <p:sp>
         <p:nvSpPr>
-          <p:cNvPr id="7" name="Slide Number Placeholder 6"/>
+          <p:cNvPr id="7" name="Slide Number Placeholder 6" title=""/>
           <p:cNvSpPr>
             <a:spLocks noGrp="1"/>
           </p:cNvSpPr>
@@ -1591,11 +1591,11 @@
 </file>
 
 <file path=ppt/slideLayouts/slideLayout5.xml><?xml version="1.0" encoding="utf-8"?>
-<p:sldLayout xmlns:a="http://schemas.openxmlformats.org/drawingml/2006/main" xmlns:r="http://schemas.openxmlformats.org/officeDocument/2006/relationships" xmlns:p14="http://schemas.microsoft.com/office/powerpoint/2010/main" xmlns:a14="http://schemas.microsoft.com/office/drawing/2010/main" xmlns:p15="http://schemas.microsoft.com/office/powerpoint/2012/main" xmlns:p159="http://schemas.microsoft.com/office/powerpoint/2015/09/main" xmlns:p="http://schemas.openxmlformats.org/presentationml/2006/main" type="twoTxTwoObj" preserve="1">
+<p:sldLayout xmlns:a="http://schemas.openxmlformats.org/drawingml/2006/main" xmlns:r="http://schemas.openxmlformats.org/officeDocument/2006/relationships" xmlns:m="http://schemas.openxmlformats.org/officeDocument/2006/math" xmlns:w="http://schemas.openxmlformats.org/wordprocessingml/2006/main" xmlns:wp="http://schemas.openxmlformats.org/drawingml/2006/wordprocessingDrawing" xmlns:a14="http://schemas.microsoft.com/office/drawing/2010/main" xmlns:mc="http://schemas.openxmlformats.org/markup-compatibility/2006" xmlns:p14="http://schemas.microsoft.com/office/powerpoint/2010/main" xmlns:p15="http://schemas.microsoft.com/office/powerpoint/2012/main" xmlns:p159="http://schemas.microsoft.com/office/powerpoint/2015/09/main" xmlns:p="http://schemas.openxmlformats.org/presentationml/2006/main" type="twoTxTwoObj" preserve="1">
   <p:cSld name="Comparison">
     <p:spTree>
       <p:nvGrpSpPr>
-        <p:cNvPr id="1" name=""/>
+        <p:cNvPr id="1" name="" title=""/>
         <p:cNvGrpSpPr/>
         <p:nvPr/>
       </p:nvGrpSpPr>
@@ -1607,7 +1607,7 @@
       </p:grpSpPr>
       <p:sp>
         <p:nvSpPr>
-          <p:cNvPr id="2" name="Title 1"/>
+          <p:cNvPr id="2" name="Title 1" title=""/>
           <p:cNvSpPr>
             <a:spLocks noGrp="1"/>
           </p:cNvSpPr>
@@ -1630,7 +1630,7 @@
       </p:sp>
       <p:sp>
         <p:nvSpPr>
-          <p:cNvPr id="3" name="Text Placeholder 2"/>
+          <p:cNvPr id="3" name="Text Placeholder 2" title=""/>
           <p:cNvSpPr>
             <a:spLocks noGrp="1"/>
           </p:cNvSpPr>
@@ -1689,7 +1689,7 @@
       </p:sp>
       <p:sp>
         <p:nvSpPr>
-          <p:cNvPr id="4" name="Content Placeholder 3"/>
+          <p:cNvPr id="4" name="Content Placeholder 3" title=""/>
           <p:cNvSpPr>
             <a:spLocks noGrp="1"/>
           </p:cNvSpPr>
@@ -1768,7 +1768,7 @@
       </p:sp>
       <p:sp>
         <p:nvSpPr>
-          <p:cNvPr id="5" name="Text Placeholder 4"/>
+          <p:cNvPr id="5" name="Text Placeholder 4" title=""/>
           <p:cNvSpPr>
             <a:spLocks noGrp="1"/>
           </p:cNvSpPr>
@@ -1827,7 +1827,7 @@
       </p:sp>
       <p:sp>
         <p:nvSpPr>
-          <p:cNvPr id="6" name="Content Placeholder 5"/>
+          <p:cNvPr id="6" name="Content Placeholder 5" title=""/>
           <p:cNvSpPr>
             <a:spLocks noGrp="1"/>
           </p:cNvSpPr>
@@ -1906,7 +1906,7 @@
       </p:sp>
       <p:sp>
         <p:nvSpPr>
-          <p:cNvPr id="7" name="Date Placeholder 6"/>
+          <p:cNvPr id="7" name="Date Placeholder 6" title=""/>
           <p:cNvSpPr>
             <a:spLocks noGrp="1"/>
           </p:cNvSpPr>
@@ -1919,7 +1919,7 @@
           <a:bodyPr/>
           <a:lstStyle/>
           <a:p>
-            <a:fld id="{32694D17-D249-4A03-9DDF-4778FBEB3AB6}" type="datetimeFigureOut">
+            <a:fld id="{B4D6AF7B-D823-4A5A-A808-4BDF9D5D812A}" type="datetimeFigureOut">
               <a:rPr lang="en-US" smtClean="0"/>
               <a:t>11/7/2009</a:t>
             </a:fld>
@@ -1929,7 +1929,7 @@
       </p:sp>
       <p:sp>
         <p:nvSpPr>
-          <p:cNvPr id="8" name="Footer Placeholder 7"/>
+          <p:cNvPr id="8" name="Footer Placeholder 7" title=""/>
           <p:cNvSpPr>
             <a:spLocks noGrp="1"/>
           </p:cNvSpPr>
@@ -1948,7 +1948,7 @@
       </p:sp>
       <p:sp>
         <p:nvSpPr>
-          <p:cNvPr id="9" name="Slide Number Placeholder 8"/>
+          <p:cNvPr id="9" name="Slide Number Placeholder 8" title=""/>
           <p:cNvSpPr>
             <a:spLocks noGrp="1"/>
           </p:cNvSpPr>
@@ -1980,11 +1980,11 @@
 </file>
 
 <file path=ppt/slideLayouts/slideLayout6.xml><?xml version="1.0" encoding="utf-8"?>
-<p:sldLayout xmlns:a="http://schemas.openxmlformats.org/drawingml/2006/main" xmlns:r="http://schemas.openxmlformats.org/officeDocument/2006/relationships" xmlns:p14="http://schemas.microsoft.com/office/powerpoint/2010/main" xmlns:a14="http://schemas.microsoft.com/office/drawing/2010/main" xmlns:p15="http://schemas.microsoft.com/office/powerpoint/2012/main" xmlns:p159="http://schemas.microsoft.com/office/powerpoint/2015/09/main" xmlns:p="http://schemas.openxmlformats.org/presentationml/2006/main" type="titleOnly" preserve="1">
+<p:sldLayout xmlns:a="http://schemas.openxmlformats.org/drawingml/2006/main" xmlns:r="http://schemas.openxmlformats.org/officeDocument/2006/relationships" xmlns:m="http://schemas.openxmlformats.org/officeDocument/2006/math" xmlns:w="http://schemas.openxmlformats.org/wordprocessingml/2006/main" xmlns:wp="http://schemas.openxmlformats.org/drawingml/2006/wordprocessingDrawing" xmlns:a14="http://schemas.microsoft.com/office/drawing/2010/main" xmlns:mc="http://schemas.openxmlformats.org/markup-compatibility/2006" xmlns:p14="http://schemas.microsoft.com/office/powerpoint/2010/main" xmlns:p15="http://schemas.microsoft.com/office/powerpoint/2012/main" xmlns:p159="http://schemas.microsoft.com/office/powerpoint/2015/09/main" xmlns:p="http://schemas.openxmlformats.org/presentationml/2006/main" type="titleOnly" preserve="1">
   <p:cSld name="Title Only">
     <p:spTree>
       <p:nvGrpSpPr>
-        <p:cNvPr id="1" name=""/>
+        <p:cNvPr id="1" name="" title=""/>
         <p:cNvGrpSpPr/>
         <p:nvPr/>
       </p:nvGrpSpPr>
@@ -1996,7 +1996,7 @@
       </p:grpSpPr>
       <p:sp>
         <p:nvSpPr>
-          <p:cNvPr id="2" name="Title 1"/>
+          <p:cNvPr id="2" name="Title 1" title=""/>
           <p:cNvSpPr>
             <a:spLocks noGrp="1"/>
           </p:cNvSpPr>
@@ -2019,7 +2019,7 @@
       </p:sp>
       <p:sp>
         <p:nvSpPr>
-          <p:cNvPr id="3" name="Date Placeholder 2"/>
+          <p:cNvPr id="3" name="Date Placeholder 2" title=""/>
           <p:cNvSpPr>
             <a:spLocks noGrp="1"/>
           </p:cNvSpPr>
@@ -2032,7 +2032,7 @@
           <a:bodyPr/>
           <a:lstStyle/>
           <a:p>
-            <a:fld id="{2241B842-82F7-4F72-9EE2-597A8B48FC49}" type="datetimeFigureOut">
+            <a:fld id="{D00D6283-1FBE-4708-BFB9-6A96F13D0FA5}" type="datetimeFigureOut">
               <a:rPr lang="en-US" smtClean="0"/>
               <a:t>11/7/2009</a:t>
             </a:fld>
@@ -2042,7 +2042,7 @@
       </p:sp>
       <p:sp>
         <p:nvSpPr>
-          <p:cNvPr id="4" name="Footer Placeholder 3"/>
+          <p:cNvPr id="4" name="Footer Placeholder 3" title=""/>
           <p:cNvSpPr>
             <a:spLocks noGrp="1"/>
           </p:cNvSpPr>
@@ -2061,7 +2061,7 @@
       </p:sp>
       <p:sp>
         <p:nvSpPr>
-          <p:cNvPr id="5" name="Slide Number Placeholder 4"/>
+          <p:cNvPr id="5" name="Slide Number Placeholder 4" title=""/>
           <p:cNvSpPr>
             <a:spLocks noGrp="1"/>
           </p:cNvSpPr>
@@ -2093,11 +2093,11 @@
 </file>
 
 <file path=ppt/slideLayouts/slideLayout7.xml><?xml version="1.0" encoding="utf-8"?>
-<p:sldLayout xmlns:a="http://schemas.openxmlformats.org/drawingml/2006/main" xmlns:r="http://schemas.openxmlformats.org/officeDocument/2006/relationships" xmlns:p14="http://schemas.microsoft.com/office/powerpoint/2010/main" xmlns:a14="http://schemas.microsoft.com/office/drawing/2010/main" xmlns:p15="http://schemas.microsoft.com/office/powerpoint/2012/main" xmlns:p159="http://schemas.microsoft.com/office/powerpoint/2015/09/main" xmlns:p="http://schemas.openxmlformats.org/presentationml/2006/main" type="blank" preserve="1">
+<p:sldLayout xmlns:a="http://schemas.openxmlformats.org/drawingml/2006/main" xmlns:r="http://schemas.openxmlformats.org/officeDocument/2006/relationships" xmlns:m="http://schemas.openxmlformats.org/officeDocument/2006/math" xmlns:w="http://schemas.openxmlformats.org/wordprocessingml/2006/main" xmlns:wp="http://schemas.openxmlformats.org/drawingml/2006/wordprocessingDrawing" xmlns:a14="http://schemas.microsoft.com/office/drawing/2010/main" xmlns:mc="http://schemas.openxmlformats.org/markup-compatibility/2006" xmlns:p14="http://schemas.microsoft.com/office/powerpoint/2010/main" xmlns:p15="http://schemas.microsoft.com/office/powerpoint/2012/main" xmlns:p159="http://schemas.microsoft.com/office/powerpoint/2015/09/main" xmlns:p="http://schemas.openxmlformats.org/presentationml/2006/main" type="blank" preserve="1">
   <p:cSld name="Blank">
     <p:spTree>
       <p:nvGrpSpPr>
-        <p:cNvPr id="1" name=""/>
+        <p:cNvPr id="1" name="" title=""/>
         <p:cNvGrpSpPr/>
         <p:nvPr/>
       </p:nvGrpSpPr>
@@ -2109,7 +2109,7 @@
       </p:grpSpPr>
       <p:sp>
         <p:nvSpPr>
-          <p:cNvPr id="2" name="Date Placeholder 1"/>
+          <p:cNvPr id="2" name="Date Placeholder 1" title=""/>
           <p:cNvSpPr>
             <a:spLocks noGrp="1"/>
           </p:cNvSpPr>
@@ -2122,7 +2122,7 @@
           <a:bodyPr/>
           <a:lstStyle/>
           <a:p>
-            <a:fld id="{1E7EFFD6-9EA0-4685-9D28-EBE73E77C196}" type="datetimeFigureOut">
+            <a:fld id="{DA9A7364-6607-4F72-82D1-71C1493025BD}" type="datetimeFigureOut">
               <a:rPr lang="en-US" smtClean="0"/>
               <a:t>11/7/2009</a:t>
             </a:fld>
@@ -2132,7 +2132,7 @@
       </p:sp>
       <p:sp>
         <p:nvSpPr>
-          <p:cNvPr id="3" name="Footer Placeholder 2"/>
+          <p:cNvPr id="3" name="Footer Placeholder 2" title=""/>
           <p:cNvSpPr>
             <a:spLocks noGrp="1"/>
           </p:cNvSpPr>
@@ -2151,7 +2151,7 @@
       </p:sp>
       <p:sp>
         <p:nvSpPr>
-          <p:cNvPr id="4" name="Slide Number Placeholder 3"/>
+          <p:cNvPr id="4" name="Slide Number Placeholder 3" title=""/>
           <p:cNvSpPr>
             <a:spLocks noGrp="1"/>
           </p:cNvSpPr>
@@ -2183,11 +2183,11 @@
 </file>
 
 <file path=ppt/slideLayouts/slideLayout8.xml><?xml version="1.0" encoding="utf-8"?>
-<p:sldLayout xmlns:a="http://schemas.openxmlformats.org/drawingml/2006/main" xmlns:r="http://schemas.openxmlformats.org/officeDocument/2006/relationships" xmlns:p14="http://schemas.microsoft.com/office/powerpoint/2010/main" xmlns:a14="http://schemas.microsoft.com/office/drawing/2010/main" xmlns:p15="http://schemas.microsoft.com/office/powerpoint/2012/main" xmlns:p159="http://schemas.microsoft.com/office/powerpoint/2015/09/main" xmlns:p="http://schemas.openxmlformats.org/presentationml/2006/main" type="objTx" preserve="1">
+<p:sldLayout xmlns:a="http://schemas.openxmlformats.org/drawingml/2006/main" xmlns:r="http://schemas.openxmlformats.org/officeDocument/2006/relationships" xmlns:m="http://schemas.openxmlformats.org/officeDocument/2006/math" xmlns:w="http://schemas.openxmlformats.org/wordprocessingml/2006/main" xmlns:wp="http://schemas.openxmlformats.org/drawingml/2006/wordprocessingDrawing" xmlns:a14="http://schemas.microsoft.com/office/drawing/2010/main" xmlns:mc="http://schemas.openxmlformats.org/markup-compatibility/2006" xmlns:p14="http://schemas.microsoft.com/office/powerpoint/2010/main" xmlns:p15="http://schemas.microsoft.com/office/powerpoint/2012/main" xmlns:p159="http://schemas.microsoft.com/office/powerpoint/2015/09/main" xmlns:p="http://schemas.openxmlformats.org/presentationml/2006/main" type="objTx" preserve="1">
   <p:cSld name="Content with Caption">
     <p:spTree>
       <p:nvGrpSpPr>
-        <p:cNvPr id="1" name=""/>
+        <p:cNvPr id="1" name="" title=""/>
         <p:cNvGrpSpPr/>
         <p:nvPr/>
       </p:nvGrpSpPr>
@@ -2199,7 +2199,7 @@
       </p:grpSpPr>
       <p:sp>
         <p:nvSpPr>
-          <p:cNvPr id="2" name="Title 1"/>
+          <p:cNvPr id="2" name="Title 1" title=""/>
           <p:cNvSpPr>
             <a:spLocks noGrp="1"/>
           </p:cNvSpPr>
@@ -2226,7 +2226,7 @@
       </p:sp>
       <p:sp>
         <p:nvSpPr>
-          <p:cNvPr id="3" name="Content Placeholder 2"/>
+          <p:cNvPr id="3" name="Content Placeholder 2" title=""/>
           <p:cNvSpPr>
             <a:spLocks noGrp="1"/>
           </p:cNvSpPr>
@@ -2305,7 +2305,7 @@
       </p:sp>
       <p:sp>
         <p:nvSpPr>
-          <p:cNvPr id="4" name="Text Placeholder 3"/>
+          <p:cNvPr id="4" name="Text Placeholder 3" title=""/>
           <p:cNvSpPr>
             <a:spLocks noGrp="1"/>
           </p:cNvSpPr>
@@ -2364,7 +2364,7 @@
       </p:sp>
       <p:sp>
         <p:nvSpPr>
-          <p:cNvPr id="5" name="Date Placeholder 4"/>
+          <p:cNvPr id="5" name="Date Placeholder 4" title=""/>
           <p:cNvSpPr>
             <a:spLocks noGrp="1"/>
           </p:cNvSpPr>
@@ -2377,7 +2377,7 @@
           <a:bodyPr/>
           <a:lstStyle/>
           <a:p>
-            <a:fld id="{02EB9D63-608D-488C-8A7C-CC901695B92E}" type="datetimeFigureOut">
+            <a:fld id="{E229A71C-3429-4649-8516-CCDC5DF7CD05}" type="datetimeFigureOut">
               <a:rPr lang="en-US" smtClean="0"/>
               <a:t>11/7/2009</a:t>
             </a:fld>
@@ -2387,7 +2387,7 @@
       </p:sp>
       <p:sp>
         <p:nvSpPr>
-          <p:cNvPr id="6" name="Footer Placeholder 5"/>
+          <p:cNvPr id="6" name="Footer Placeholder 5" title=""/>
           <p:cNvSpPr>
             <a:spLocks noGrp="1"/>
           </p:cNvSpPr>
@@ -2406,7 +2406,7 @@
       </p:sp>
       <p:sp>
         <p:nvSpPr>
-          <p:cNvPr id="7" name="Slide Number Placeholder 6"/>
+          <p:cNvPr id="7" name="Slide Number Placeholder 6" title=""/>
           <p:cNvSpPr>
             <a:spLocks noGrp="1"/>
           </p:cNvSpPr>
@@ -2438,11 +2438,11 @@
 </file>
 
 <file path=ppt/slideLayouts/slideLayout9.xml><?xml version="1.0" encoding="utf-8"?>
-<p:sldLayout xmlns:a="http://schemas.openxmlformats.org/drawingml/2006/main" xmlns:r="http://schemas.openxmlformats.org/officeDocument/2006/relationships" xmlns:p14="http://schemas.microsoft.com/office/powerpoint/2010/main" xmlns:a14="http://schemas.microsoft.com/office/drawing/2010/main" xmlns:p15="http://schemas.microsoft.com/office/powerpoint/2012/main" xmlns:p159="http://schemas.microsoft.com/office/powerpoint/2015/09/main" xmlns:p="http://schemas.openxmlformats.org/presentationml/2006/main" type="picTx" preserve="1">
+<p:sldLayout xmlns:a="http://schemas.openxmlformats.org/drawingml/2006/main" xmlns:r="http://schemas.openxmlformats.org/officeDocument/2006/relationships" xmlns:m="http://schemas.openxmlformats.org/officeDocument/2006/math" xmlns:w="http://schemas.openxmlformats.org/wordprocessingml/2006/main" xmlns:wp="http://schemas.openxmlformats.org/drawingml/2006/wordprocessingDrawing" xmlns:a14="http://schemas.microsoft.com/office/drawing/2010/main" xmlns:mc="http://schemas.openxmlformats.org/markup-compatibility/2006" xmlns:p14="http://schemas.microsoft.com/office/powerpoint/2010/main" xmlns:p15="http://schemas.microsoft.com/office/powerpoint/2012/main" xmlns:p159="http://schemas.microsoft.com/office/powerpoint/2015/09/main" xmlns:p="http://schemas.openxmlformats.org/presentationml/2006/main" type="picTx" preserve="1">
   <p:cSld name="Picture with Caption">
     <p:spTree>
       <p:nvGrpSpPr>
-        <p:cNvPr id="1" name=""/>
+        <p:cNvPr id="1" name="" title=""/>
         <p:cNvGrpSpPr/>
         <p:nvPr/>
       </p:nvGrpSpPr>
@@ -2454,7 +2454,7 @@
       </p:grpSpPr>
       <p:sp>
         <p:nvSpPr>
-          <p:cNvPr id="2" name="Title 1"/>
+          <p:cNvPr id="2" name="Title 1" title=""/>
           <p:cNvSpPr>
             <a:spLocks noGrp="1"/>
           </p:cNvSpPr>
@@ -2481,7 +2481,7 @@
       </p:sp>
       <p:sp>
         <p:nvSpPr>
-          <p:cNvPr id="3" name="Picture Placeholder 2"/>
+          <p:cNvPr id="3" name="Picture Placeholder 2" title=""/>
           <p:cNvSpPr>
             <a:spLocks noGrp="1"/>
           </p:cNvSpPr>
@@ -2537,7 +2537,7 @@
       </p:sp>
       <p:sp>
         <p:nvSpPr>
-          <p:cNvPr id="4" name="Text Placeholder 3"/>
+          <p:cNvPr id="4" name="Text Placeholder 3" title=""/>
           <p:cNvSpPr>
             <a:spLocks noGrp="1"/>
           </p:cNvSpPr>
@@ -2596,7 +2596,7 @@
       </p:sp>
       <p:sp>
         <p:nvSpPr>
-          <p:cNvPr id="5" name="Date Placeholder 4"/>
+          <p:cNvPr id="5" name="Date Placeholder 4" title=""/>
           <p:cNvSpPr>
             <a:spLocks noGrp="1"/>
           </p:cNvSpPr>
@@ -2609,7 +2609,7 @@
           <a:bodyPr/>
           <a:lstStyle/>
           <a:p>
-            <a:fld id="{B187B307-A315-4206-BAC2-4AA25479F7DA}" type="datetimeFigureOut">
+            <a:fld id="{381BF3AB-60AE-4C7C-8C9C-3A903319214B}" type="datetimeFigureOut">
               <a:rPr lang="en-US" smtClean="0"/>
               <a:t>11/7/2009</a:t>
             </a:fld>
@@ -2619,7 +2619,7 @@
       </p:sp>
       <p:sp>
         <p:nvSpPr>
-          <p:cNvPr id="6" name="Footer Placeholder 5"/>
+          <p:cNvPr id="6" name="Footer Placeholder 5" title=""/>
           <p:cNvSpPr>
             <a:spLocks noGrp="1"/>
           </p:cNvSpPr>
@@ -2638,7 +2638,7 @@
       </p:sp>
       <p:sp>
         <p:nvSpPr>
-          <p:cNvPr id="7" name="Slide Number Placeholder 6"/>
+          <p:cNvPr id="7" name="Slide Number Placeholder 6" title=""/>
           <p:cNvSpPr>
             <a:spLocks noGrp="1"/>
           </p:cNvSpPr>
@@ -2670,7 +2670,7 @@
 </file>
 
 <file path=ppt/slideMasters/slideMaster1.xml><?xml version="1.0" encoding="utf-8"?>
-<p:sldMaster xmlns:a="http://schemas.openxmlformats.org/drawingml/2006/main" xmlns:r="http://schemas.openxmlformats.org/officeDocument/2006/relationships" xmlns:p14="http://schemas.microsoft.com/office/powerpoint/2010/main" xmlns:a14="http://schemas.microsoft.com/office/drawing/2010/main" xmlns:p15="http://schemas.microsoft.com/office/powerpoint/2012/main" xmlns:p159="http://schemas.microsoft.com/office/powerpoint/2015/09/main" xmlns:p="http://schemas.openxmlformats.org/presentationml/2006/main">
+<p:sldMaster xmlns:a="http://schemas.openxmlformats.org/drawingml/2006/main" xmlns:r="http://schemas.openxmlformats.org/officeDocument/2006/relationships" xmlns:m="http://schemas.openxmlformats.org/officeDocument/2006/math" xmlns:w="http://schemas.openxmlformats.org/wordprocessingml/2006/main" xmlns:wp="http://schemas.openxmlformats.org/drawingml/2006/wordprocessingDrawing" xmlns:a14="http://schemas.microsoft.com/office/drawing/2010/main" xmlns:mc="http://schemas.openxmlformats.org/markup-compatibility/2006" xmlns:p14="http://schemas.microsoft.com/office/powerpoint/2010/main" xmlns:p15="http://schemas.microsoft.com/office/powerpoint/2012/main" xmlns:p159="http://schemas.microsoft.com/office/powerpoint/2015/09/main" xmlns:p="http://schemas.openxmlformats.org/presentationml/2006/main">
   <p:cSld>
     <p:bg>
       <p:bgRef idx="1001">
@@ -2679,7 +2679,7 @@
     </p:bg>
     <p:spTree>
       <p:nvGrpSpPr>
-        <p:cNvPr id="1" name=""/>
+        <p:cNvPr id="1" name="" title=""/>
         <p:cNvGrpSpPr/>
         <p:nvPr/>
       </p:nvGrpSpPr>
@@ -2691,7 +2691,7 @@
       </p:grpSpPr>
       <p:sp>
         <p:nvSpPr>
-          <p:cNvPr id="2" name="Title Placeholder 1"/>
+          <p:cNvPr id="2" name="Title Placeholder 1" title=""/>
           <p:cNvSpPr>
             <a:spLocks noGrp="1"/>
           </p:cNvSpPr>
@@ -2724,7 +2724,7 @@
       </p:sp>
       <p:sp>
         <p:nvSpPr>
-          <p:cNvPr id="3" name="Text Placeholder 2"/>
+          <p:cNvPr id="3" name="Text Placeholder 2" title=""/>
           <p:cNvSpPr>
             <a:spLocks noGrp="1"/>
           </p:cNvSpPr>
@@ -2785,7 +2785,7 @@
       </p:sp>
       <p:sp>
         <p:nvSpPr>
-          <p:cNvPr id="4" name="Date Placeholder 3"/>
+          <p:cNvPr id="4" name="Date Placeholder 3" title=""/>
           <p:cNvSpPr>
             <a:spLocks noGrp="1"/>
           </p:cNvSpPr>
@@ -2826,7 +2826,7 @@
       </p:sp>
       <p:sp>
         <p:nvSpPr>
-          <p:cNvPr id="5" name="Footer Placeholder 4"/>
+          <p:cNvPr id="5" name="Footer Placeholder 4" title=""/>
           <p:cNvSpPr>
             <a:spLocks noGrp="1"/>
           </p:cNvSpPr>
@@ -2863,7 +2863,7 @@
       </p:sp>
       <p:sp>
         <p:nvSpPr>
-          <p:cNvPr id="6" name="Slide Number Placeholder 5"/>
+          <p:cNvPr id="6" name="Slide Number Placeholder 5" title=""/>
           <p:cNvSpPr>
             <a:spLocks noGrp="1"/>
           </p:cNvSpPr>
@@ -3174,11 +3174,11 @@
 </file>
 
 <file path=ppt/slides/slide1.xml><?xml version="1.0" encoding="utf-8"?>
-<p:sld xmlns:a="http://schemas.openxmlformats.org/drawingml/2006/main" xmlns:r="http://schemas.openxmlformats.org/officeDocument/2006/relationships" xmlns:p14="http://schemas.microsoft.com/office/powerpoint/2010/main" xmlns:a14="http://schemas.microsoft.com/office/drawing/2010/main" xmlns:p15="http://schemas.microsoft.com/office/powerpoint/2012/main" xmlns:p159="http://schemas.microsoft.com/office/powerpoint/2015/09/main" xmlns:p="http://schemas.openxmlformats.org/presentationml/2006/main">
+<p:sld xmlns:a="http://schemas.openxmlformats.org/drawingml/2006/main" xmlns:r="http://schemas.openxmlformats.org/officeDocument/2006/relationships" xmlns:m="http://schemas.openxmlformats.org/officeDocument/2006/math" xmlns:w="http://schemas.openxmlformats.org/wordprocessingml/2006/main" xmlns:wp="http://schemas.openxmlformats.org/drawingml/2006/wordprocessingDrawing" xmlns:a14="http://schemas.microsoft.com/office/drawing/2010/main" xmlns:mc="http://schemas.openxmlformats.org/markup-compatibility/2006" xmlns:p14="http://schemas.microsoft.com/office/powerpoint/2010/main" xmlns:p15="http://schemas.microsoft.com/office/powerpoint/2012/main" xmlns:p159="http://schemas.microsoft.com/office/powerpoint/2015/09/main" xmlns:p="http://schemas.openxmlformats.org/presentationml/2006/main">
   <p:cSld name="">
     <p:spTree>
       <p:nvGrpSpPr>
-        <p:cNvPr id="1" name=""/>
+        <p:cNvPr id="1" name="" title=""/>
         <p:cNvGrpSpPr/>
         <p:nvPr/>
       </p:nvGrpSpPr>
@@ -3190,7 +3190,7 @@
       </p:grpSpPr>
       <p:graphicFrame>
         <p:nvGraphicFramePr>
-          <p:cNvPr id="2" name="ChartObject"/>
+          <p:cNvPr id="2" name="ChartObject" title=""/>
           <p:cNvGraphicFramePr/>
           <p:nvPr/>
         </p:nvGraphicFramePr>
@@ -3204,6 +3204,77 @@
           </a:graphicData>
         </a:graphic>
       </p:graphicFrame>
+      <p:sp>
+        <p:nvSpPr>
+          <p:cNvPr id="3" name="TextBox"/>
+          <p:cNvSpPr txBox="1">
+            <a:spLocks noGrp="1" noSelect="1" noRot="1" noMove="1"/>
+          </p:cNvSpPr>
+          <p:nvPr/>
+        </p:nvSpPr>
+        <p:spPr>
+          <a:xfrm>
+            <a:off x="1366520" y="2644140"/>
+            <a:ext cx="6411372" cy="1569660"/>
+          </a:xfrm>
+          <a:prstGeom prst="rect">
+            <a:avLst/>
+          </a:prstGeom>
+          <a:noFill/>
+        </p:spPr>
+        <p:txBody>
+          <a:bodyPr wrap="none" rtlCol="0" anchor="ctr" anchorCtr="1">
+            <a:spAutoFit/>
+          </a:bodyPr>
+          <a:lstStyle>
+            <a:lvl1pPr algn="l">
+              <a:lnSpc>
+                <a:spcPct val="150000"/>
+              </a:lnSpc>
+              <a:spcBef>
+                <a:spcPct val="0"/>
+              </a:spcBef>
+              <a:spcAft>
+                <a:spcPct val="0"/>
+              </a:spcAft>
+              <a:defRPr lang="en-US" sz="3200" b="1" noProof="1" dirty="0">
+                <a:solidFill>
+                  <a:prstClr val="red">
+                    <a:lumOff val="30000"/>
+                    <a:alpha val="40000"/>
+                  </a:prstClr>
+                </a:solidFill>
+                <a:effectLst>
+                  <a:outerShdw blurRad="50800" dist="38100" algn="tr" rotWithShape="0">
+                    <a:prstClr val="black">
+                      <a:alpha val="80000"/>
+                    </a:prstClr>
+                  </a:outerShdw>
+                </a:effectLst>
+                <a:latin typeface="Calibri" pitchFamily="34" charset="0"/>
+              </a:defRPr>
+            </a:lvl1pPr>
+          </a:lstStyle>
+          <a:p>
+            <a:pPr algn="ctr"/>
+            <a:r>
+              <a:t>Evaluation only.</a:t>
+            </a:r>
+          </a:p>
+          <a:p>
+            <a:pPr algn="ctr"/>
+            <a:r>
+              <a:t>Created with Aspose.Slides for .NET 4.0 Client Profile 21.12.</a:t>
+            </a:r>
+          </a:p>
+          <a:p>
+            <a:pPr algn="ctr"/>
+            <a:r>
+              <a:t>Copyright 2004-2021Aspose Pty Ltd.</a:t>
+            </a:r>
+          </a:p>
+        </p:txBody>
+      </p:sp>
     </p:spTree>
   </p:cSld>
   <p:clrMapOvr>
@@ -3217,10 +3288,10 @@
 <file path=ppt/tags/tag1.xml><?xml version="1.0" encoding="utf-8"?>
 <p:tagLst xmlns:p="http://schemas.openxmlformats.org/presentationml/2006/main">
   <p:tag name="AS_NET" val="4.0.30319.42000"/>
-  <p:tag name="AS_OS" val="Microsoft Windows NT 6.2.9200.0"/>
-  <p:tag name="AS_RELEASE_DATE" val="2019.06.14"/>
+  <p:tag name="AS_OS" val="Microsoft Windows NT 6.3.9600.0"/>
+  <p:tag name="AS_RELEASE_DATE" val="2021.12.14"/>
   <p:tag name="AS_TITLE" val="Aspose.Slides for .NET 4.0 Client Profile"/>
-  <p:tag name="AS_VERSION" val="19.6"/>
+  <p:tag name="AS_VERSION" val="21.12"/>
 </p:tagLst>
 </file>
 
